--- a/4 - Midterm/MidtermResults.pptx
+++ b/4 - Midterm/MidtermResults.pptx
@@ -5,28 +5,29 @@
     <p:sldMasterId id="2147483659" r:id="rId1"/>
   </p:sldMasterIdLst>
   <p:notesMasterIdLst>
-    <p:notesMasterId r:id="rId4"/>
+    <p:notesMasterId r:id="rId5"/>
   </p:notesMasterIdLst>
   <p:sldIdLst>
     <p:sldId id="256" r:id="rId2"/>
     <p:sldId id="260" r:id="rId3"/>
+    <p:sldId id="261" r:id="rId4"/>
   </p:sldIdLst>
   <p:sldSz cx="9144000" cy="5143500" type="screen16x9"/>
   <p:notesSz cx="6858000" cy="9144000"/>
   <p:embeddedFontLst>
     <p:embeddedFont>
       <p:font typeface="Lato" panose="020B0604020202020204" charset="0"/>
-      <p:regular r:id="rId5"/>
-      <p:bold r:id="rId6"/>
-      <p:italic r:id="rId7"/>
-      <p:boldItalic r:id="rId8"/>
+      <p:regular r:id="rId6"/>
+      <p:bold r:id="rId7"/>
+      <p:italic r:id="rId8"/>
+      <p:boldItalic r:id="rId9"/>
     </p:embeddedFont>
     <p:embeddedFont>
       <p:font typeface="Raleway" panose="020B0003030101060003" pitchFamily="34" charset="0"/>
-      <p:regular r:id="rId9"/>
-      <p:bold r:id="rId10"/>
-      <p:italic r:id="rId11"/>
-      <p:boldItalic r:id="rId12"/>
+      <p:regular r:id="rId10"/>
+      <p:bold r:id="rId11"/>
+      <p:italic r:id="rId12"/>
+      <p:boldItalic r:id="rId13"/>
     </p:embeddedFont>
   </p:embeddedFontLst>
   <p:defaultTextStyle>
@@ -3688,10 +3689,6 @@
           </p:nvPr>
         </p:nvSpPr>
         <p:spPr>
-          <a:xfrm>
-            <a:off x="2400250" y="575950"/>
-            <a:ext cx="6321600" cy="635400"/>
-          </a:xfrm>
           <a:prstGeom prst="rect">
             <a:avLst/>
           </a:prstGeom>
@@ -3719,7 +3716,149 @@
           </a:p>
         </p:txBody>
       </p:sp>
+      <p:sp>
+        <p:nvSpPr>
+          <p:cNvPr id="4" name="Text Placeholder 3">
+            <a:extLst>
+              <a:ext uri="{FF2B5EF4-FFF2-40B4-BE49-F238E27FC236}">
+                <a16:creationId xmlns:a16="http://schemas.microsoft.com/office/drawing/2014/main" id="{11C6BC31-807D-44B4-9BB6-B3A89B60AC4A}"/>
+              </a:ext>
+            </a:extLst>
+          </p:cNvPr>
+          <p:cNvSpPr>
+            <a:spLocks noGrp="1"/>
+          </p:cNvSpPr>
+          <p:nvPr>
+            <p:ph type="body" idx="1"/>
+          </p:nvPr>
+        </p:nvSpPr>
+        <p:spPr/>
+        <p:txBody>
+          <a:bodyPr/>
+          <a:lstStyle/>
+          <a:p>
+            <a:r>
+              <a:rPr lang="en-US" dirty="0"/>
+              <a:t>Average: 188.9 (94.45%)</a:t>
+            </a:r>
+          </a:p>
+          <a:p>
+            <a:r>
+              <a:rPr lang="en-US" dirty="0"/>
+              <a:t>Median: 192 (96%)</a:t>
+            </a:r>
+          </a:p>
+          <a:p>
+            <a:endParaRPr lang="en-US" dirty="0"/>
+          </a:p>
+          <a:p>
+            <a:r>
+              <a:rPr lang="en-US" dirty="0"/>
+              <a:t>Best Score: 202 (101%)</a:t>
+            </a:r>
+          </a:p>
+          <a:p>
+            <a:r>
+              <a:rPr lang="en-US" dirty="0"/>
+              <a:t>Worst Score: 165 (82.5%)</a:t>
+            </a:r>
+          </a:p>
+        </p:txBody>
+      </p:sp>
+      <p:sp>
+        <p:nvSpPr>
+          <p:cNvPr id="6" name="Text Placeholder 5">
+            <a:extLst>
+              <a:ext uri="{FF2B5EF4-FFF2-40B4-BE49-F238E27FC236}">
+                <a16:creationId xmlns:a16="http://schemas.microsoft.com/office/drawing/2014/main" id="{BCD89A64-1BA3-4D06-AC43-0973BCF6C1E0}"/>
+              </a:ext>
+            </a:extLst>
+          </p:cNvPr>
+          <p:cNvSpPr>
+            <a:spLocks noGrp="1"/>
+          </p:cNvSpPr>
+          <p:nvPr>
+            <p:ph type="body" idx="2"/>
+          </p:nvPr>
+        </p:nvSpPr>
+        <p:spPr/>
+        <p:txBody>
+          <a:bodyPr/>
+          <a:lstStyle/>
+          <a:p>
+            <a:r>
+              <a:rPr lang="en-US" dirty="0"/>
+              <a:t>Worst Question: SA4</a:t>
+            </a:r>
+          </a:p>
+          <a:p>
+            <a:r>
+              <a:rPr lang="en-US" dirty="0"/>
+              <a:t>Best Question: Matching</a:t>
+            </a:r>
+          </a:p>
+        </p:txBody>
+      </p:sp>
     </p:spTree>
+  </p:cSld>
+  <p:clrMapOvr>
+    <a:masterClrMapping/>
+  </p:clrMapOvr>
+</p:sld>
+</file>
+
+<file path=ppt/slides/slide3.xml><?xml version="1.0" encoding="utf-8"?>
+<p:sld xmlns:a="http://schemas.openxmlformats.org/drawingml/2006/main" xmlns:r="http://schemas.openxmlformats.org/officeDocument/2006/relationships" xmlns:p="http://schemas.openxmlformats.org/presentationml/2006/main">
+  <p:cSld>
+    <p:spTree>
+      <p:nvGrpSpPr>
+        <p:cNvPr id="1" name=""/>
+        <p:cNvGrpSpPr/>
+        <p:nvPr/>
+      </p:nvGrpSpPr>
+      <p:grpSpPr>
+        <a:xfrm>
+          <a:off x="0" y="0"/>
+          <a:ext cx="0" cy="0"/>
+          <a:chOff x="0" y="0"/>
+          <a:chExt cx="0" cy="0"/>
+        </a:xfrm>
+      </p:grpSpPr>
+      <p:pic>
+        <p:nvPicPr>
+          <p:cNvPr id="5" name="Picture 4">
+            <a:extLst>
+              <a:ext uri="{FF2B5EF4-FFF2-40B4-BE49-F238E27FC236}">
+                <a16:creationId xmlns:a16="http://schemas.microsoft.com/office/drawing/2014/main" id="{FA95178F-08F7-4E8D-9118-A488421F9A2F}"/>
+              </a:ext>
+            </a:extLst>
+          </p:cNvPr>
+          <p:cNvPicPr>
+            <a:picLocks noChangeAspect="1"/>
+          </p:cNvPicPr>
+          <p:nvPr/>
+        </p:nvPicPr>
+        <p:blipFill rotWithShape="1">
+          <a:blip r:embed="rId2"/>
+          <a:srcRect r="50000" b="3210"/>
+          <a:stretch/>
+        </p:blipFill>
+        <p:spPr>
+          <a:xfrm>
+            <a:off x="0" y="82550"/>
+            <a:ext cx="9144000" cy="4978400"/>
+          </a:xfrm>
+          <a:prstGeom prst="rect">
+            <a:avLst/>
+          </a:prstGeom>
+        </p:spPr>
+      </p:pic>
+    </p:spTree>
+    <p:extLst>
+      <p:ext uri="{BB962C8B-B14F-4D97-AF65-F5344CB8AC3E}">
+        <p14:creationId xmlns:p14="http://schemas.microsoft.com/office/powerpoint/2010/main" val="2572238705"/>
+      </p:ext>
+    </p:extLst>
   </p:cSld>
   <p:clrMapOvr>
     <a:masterClrMapping/>

--- a/4 - Midterm/MidtermResults.pptx
+++ b/4 - Midterm/MidtermResults.pptx
@@ -5,29 +5,30 @@
     <p:sldMasterId id="2147483659" r:id="rId1"/>
   </p:sldMasterIdLst>
   <p:notesMasterIdLst>
-    <p:notesMasterId r:id="rId5"/>
+    <p:notesMasterId r:id="rId6"/>
   </p:notesMasterIdLst>
   <p:sldIdLst>
     <p:sldId id="256" r:id="rId2"/>
     <p:sldId id="260" r:id="rId3"/>
-    <p:sldId id="261" r:id="rId4"/>
+    <p:sldId id="276" r:id="rId4"/>
+    <p:sldId id="261" r:id="rId5"/>
   </p:sldIdLst>
   <p:sldSz cx="9144000" cy="5143500" type="screen16x9"/>
   <p:notesSz cx="6858000" cy="9144000"/>
   <p:embeddedFontLst>
     <p:embeddedFont>
       <p:font typeface="Lato" panose="020B0604020202020204" charset="0"/>
-      <p:regular r:id="rId6"/>
-      <p:bold r:id="rId7"/>
-      <p:italic r:id="rId8"/>
-      <p:boldItalic r:id="rId9"/>
+      <p:regular r:id="rId7"/>
+      <p:bold r:id="rId8"/>
+      <p:italic r:id="rId9"/>
+      <p:boldItalic r:id="rId10"/>
     </p:embeddedFont>
     <p:embeddedFont>
-      <p:font typeface="Raleway" panose="020B0003030101060003" pitchFamily="34" charset="0"/>
-      <p:regular r:id="rId10"/>
-      <p:bold r:id="rId11"/>
-      <p:italic r:id="rId12"/>
-      <p:boldItalic r:id="rId13"/>
+      <p:font typeface="Raleway" panose="020B0604020202020204" charset="0"/>
+      <p:regular r:id="rId11"/>
+      <p:bold r:id="rId12"/>
+      <p:italic r:id="rId13"/>
+      <p:boldItalic r:id="rId14"/>
     </p:embeddedFont>
   </p:embeddedFontLst>
   <p:defaultTextStyle>
@@ -2135,6 +2136,403 @@
 </p:sldLayout>
 </file>
 
+<file path=ppt/slideLayouts/slideLayout3.xml><?xml version="1.0" encoding="utf-8"?>
+<p:sldLayout xmlns:a="http://schemas.openxmlformats.org/drawingml/2006/main" xmlns:r="http://schemas.openxmlformats.org/officeDocument/2006/relationships" xmlns:p="http://schemas.openxmlformats.org/presentationml/2006/main" matchingName="One column text">
+  <p:cSld name="One column text">
+    <p:spTree>
+      <p:nvGrpSpPr>
+        <p:cNvPr id="1" name="Shape 39"/>
+        <p:cNvGrpSpPr/>
+        <p:nvPr/>
+      </p:nvGrpSpPr>
+      <p:grpSpPr>
+        <a:xfrm>
+          <a:off x="0" y="0"/>
+          <a:ext cx="0" cy="0"/>
+          <a:chOff x="0" y="0"/>
+          <a:chExt cx="0" cy="0"/>
+        </a:xfrm>
+      </p:grpSpPr>
+      <p:cxnSp>
+        <p:nvCxnSpPr>
+          <p:cNvPr id="40" name="Google Shape;40;p7"/>
+          <p:cNvCxnSpPr/>
+          <p:nvPr/>
+        </p:nvCxnSpPr>
+        <p:spPr>
+          <a:xfrm>
+            <a:off x="425198" y="415650"/>
+            <a:ext cx="183300" cy="0"/>
+          </a:xfrm>
+          <a:prstGeom prst="straightConnector1">
+            <a:avLst/>
+          </a:prstGeom>
+          <a:noFill/>
+          <a:ln w="19050" cap="flat" cmpd="sng">
+            <a:solidFill>
+              <a:schemeClr val="dk2"/>
+            </a:solidFill>
+            <a:prstDash val="solid"/>
+            <a:round/>
+            <a:headEnd type="none" w="sm" len="sm"/>
+            <a:tailEnd type="none" w="sm" len="sm"/>
+          </a:ln>
+        </p:spPr>
+      </p:cxnSp>
+      <p:sp>
+        <p:nvSpPr>
+          <p:cNvPr id="41" name="Google Shape;41;p7"/>
+          <p:cNvSpPr txBox="1">
+            <a:spLocks noGrp="1"/>
+          </p:cNvSpPr>
+          <p:nvPr>
+            <p:ph type="title"/>
+          </p:nvPr>
+        </p:nvSpPr>
+        <p:spPr>
+          <a:xfrm>
+            <a:off x="319500" y="936600"/>
+            <a:ext cx="2808000" cy="755700"/>
+          </a:xfrm>
+          <a:prstGeom prst="rect">
+            <a:avLst/>
+          </a:prstGeom>
+        </p:spPr>
+        <p:txBody>
+          <a:bodyPr spcFirstLastPara="1" wrap="square" lIns="91425" tIns="91425" rIns="91425" bIns="91425" anchor="b" anchorCtr="0"/>
+          <a:lstStyle>
+            <a:lvl1pPr lvl="0">
+              <a:spcBef>
+                <a:spcPts val="0"/>
+              </a:spcBef>
+              <a:spcAft>
+                <a:spcPts val="0"/>
+              </a:spcAft>
+              <a:buSzPts val="2400"/>
+              <a:buNone/>
+              <a:defRPr sz="2400"/>
+            </a:lvl1pPr>
+            <a:lvl2pPr lvl="1">
+              <a:spcBef>
+                <a:spcPts val="0"/>
+              </a:spcBef>
+              <a:spcAft>
+                <a:spcPts val="0"/>
+              </a:spcAft>
+              <a:buSzPts val="2400"/>
+              <a:buNone/>
+              <a:defRPr sz="2400"/>
+            </a:lvl2pPr>
+            <a:lvl3pPr lvl="2">
+              <a:spcBef>
+                <a:spcPts val="0"/>
+              </a:spcBef>
+              <a:spcAft>
+                <a:spcPts val="0"/>
+              </a:spcAft>
+              <a:buSzPts val="2400"/>
+              <a:buNone/>
+              <a:defRPr sz="2400"/>
+            </a:lvl3pPr>
+            <a:lvl4pPr lvl="3">
+              <a:spcBef>
+                <a:spcPts val="0"/>
+              </a:spcBef>
+              <a:spcAft>
+                <a:spcPts val="0"/>
+              </a:spcAft>
+              <a:buSzPts val="2400"/>
+              <a:buNone/>
+              <a:defRPr sz="2400"/>
+            </a:lvl4pPr>
+            <a:lvl5pPr lvl="4">
+              <a:spcBef>
+                <a:spcPts val="0"/>
+              </a:spcBef>
+              <a:spcAft>
+                <a:spcPts val="0"/>
+              </a:spcAft>
+              <a:buSzPts val="2400"/>
+              <a:buNone/>
+              <a:defRPr sz="2400"/>
+            </a:lvl5pPr>
+            <a:lvl6pPr lvl="5">
+              <a:spcBef>
+                <a:spcPts val="0"/>
+              </a:spcBef>
+              <a:spcAft>
+                <a:spcPts val="0"/>
+              </a:spcAft>
+              <a:buSzPts val="2400"/>
+              <a:buNone/>
+              <a:defRPr sz="2400"/>
+            </a:lvl6pPr>
+            <a:lvl7pPr lvl="6">
+              <a:spcBef>
+                <a:spcPts val="0"/>
+              </a:spcBef>
+              <a:spcAft>
+                <a:spcPts val="0"/>
+              </a:spcAft>
+              <a:buSzPts val="2400"/>
+              <a:buNone/>
+              <a:defRPr sz="2400"/>
+            </a:lvl7pPr>
+            <a:lvl8pPr lvl="7">
+              <a:spcBef>
+                <a:spcPts val="0"/>
+              </a:spcBef>
+              <a:spcAft>
+                <a:spcPts val="0"/>
+              </a:spcAft>
+              <a:buSzPts val="2400"/>
+              <a:buNone/>
+              <a:defRPr sz="2400"/>
+            </a:lvl8pPr>
+            <a:lvl9pPr lvl="8">
+              <a:spcBef>
+                <a:spcPts val="0"/>
+              </a:spcBef>
+              <a:spcAft>
+                <a:spcPts val="0"/>
+              </a:spcAft>
+              <a:buSzPts val="2400"/>
+              <a:buNone/>
+              <a:defRPr sz="2400"/>
+            </a:lvl9pPr>
+          </a:lstStyle>
+          <a:p>
+            <a:r>
+              <a:rPr lang="en-US"/>
+              <a:t>Click to edit Master title style</a:t>
+            </a:r>
+            <a:endParaRPr/>
+          </a:p>
+        </p:txBody>
+      </p:sp>
+      <p:sp>
+        <p:nvSpPr>
+          <p:cNvPr id="42" name="Google Shape;42;p7"/>
+          <p:cNvSpPr txBox="1">
+            <a:spLocks noGrp="1"/>
+          </p:cNvSpPr>
+          <p:nvPr>
+            <p:ph type="body" idx="1"/>
+          </p:nvPr>
+        </p:nvSpPr>
+        <p:spPr>
+          <a:xfrm>
+            <a:off x="319500" y="1846804"/>
+            <a:ext cx="2808000" cy="2806200"/>
+          </a:xfrm>
+          <a:prstGeom prst="rect">
+            <a:avLst/>
+          </a:prstGeom>
+        </p:spPr>
+        <p:txBody>
+          <a:bodyPr spcFirstLastPara="1" wrap="square" lIns="91425" tIns="91425" rIns="91425" bIns="91425" anchor="t" anchorCtr="0"/>
+          <a:lstStyle>
+            <a:lvl1pPr marL="457200" lvl="0" indent="-304800">
+              <a:spcBef>
+                <a:spcPts val="0"/>
+              </a:spcBef>
+              <a:spcAft>
+                <a:spcPts val="0"/>
+              </a:spcAft>
+              <a:buSzPts val="1200"/>
+              <a:buChar char="●"/>
+              <a:defRPr sz="1200"/>
+            </a:lvl1pPr>
+            <a:lvl2pPr marL="914400" lvl="1" indent="-304800">
+              <a:spcBef>
+                <a:spcPts val="1600"/>
+              </a:spcBef>
+              <a:spcAft>
+                <a:spcPts val="0"/>
+              </a:spcAft>
+              <a:buSzPts val="1200"/>
+              <a:buChar char="○"/>
+              <a:defRPr sz="1200"/>
+            </a:lvl2pPr>
+            <a:lvl3pPr marL="1371600" lvl="2" indent="-304800">
+              <a:spcBef>
+                <a:spcPts val="1600"/>
+              </a:spcBef>
+              <a:spcAft>
+                <a:spcPts val="0"/>
+              </a:spcAft>
+              <a:buSzPts val="1200"/>
+              <a:buChar char="■"/>
+              <a:defRPr sz="1200"/>
+            </a:lvl3pPr>
+            <a:lvl4pPr marL="1828800" lvl="3" indent="-304800">
+              <a:spcBef>
+                <a:spcPts val="1600"/>
+              </a:spcBef>
+              <a:spcAft>
+                <a:spcPts val="0"/>
+              </a:spcAft>
+              <a:buSzPts val="1200"/>
+              <a:buChar char="●"/>
+              <a:defRPr sz="1200"/>
+            </a:lvl4pPr>
+            <a:lvl5pPr marL="2286000" lvl="4" indent="-304800">
+              <a:spcBef>
+                <a:spcPts val="1600"/>
+              </a:spcBef>
+              <a:spcAft>
+                <a:spcPts val="0"/>
+              </a:spcAft>
+              <a:buSzPts val="1200"/>
+              <a:buChar char="○"/>
+              <a:defRPr sz="1200"/>
+            </a:lvl5pPr>
+            <a:lvl6pPr marL="2743200" lvl="5" indent="-304800">
+              <a:spcBef>
+                <a:spcPts val="1600"/>
+              </a:spcBef>
+              <a:spcAft>
+                <a:spcPts val="0"/>
+              </a:spcAft>
+              <a:buSzPts val="1200"/>
+              <a:buChar char="■"/>
+              <a:defRPr sz="1200"/>
+            </a:lvl6pPr>
+            <a:lvl7pPr marL="3200400" lvl="6" indent="-304800">
+              <a:spcBef>
+                <a:spcPts val="1600"/>
+              </a:spcBef>
+              <a:spcAft>
+                <a:spcPts val="0"/>
+              </a:spcAft>
+              <a:buSzPts val="1200"/>
+              <a:buChar char="●"/>
+              <a:defRPr sz="1200"/>
+            </a:lvl7pPr>
+            <a:lvl8pPr marL="3657600" lvl="7" indent="-304800">
+              <a:spcBef>
+                <a:spcPts val="1600"/>
+              </a:spcBef>
+              <a:spcAft>
+                <a:spcPts val="0"/>
+              </a:spcAft>
+              <a:buSzPts val="1200"/>
+              <a:buChar char="○"/>
+              <a:defRPr sz="1200"/>
+            </a:lvl8pPr>
+            <a:lvl9pPr marL="4114800" lvl="8" indent="-304800">
+              <a:spcBef>
+                <a:spcPts val="1600"/>
+              </a:spcBef>
+              <a:spcAft>
+                <a:spcPts val="1600"/>
+              </a:spcAft>
+              <a:buSzPts val="1200"/>
+              <a:buChar char="■"/>
+              <a:defRPr sz="1200"/>
+            </a:lvl9pPr>
+          </a:lstStyle>
+          <a:p>
+            <a:pPr lvl="0"/>
+            <a:r>
+              <a:rPr lang="en-US"/>
+              <a:t>Edit Master text styles</a:t>
+            </a:r>
+          </a:p>
+        </p:txBody>
+      </p:sp>
+      <p:sp>
+        <p:nvSpPr>
+          <p:cNvPr id="43" name="Google Shape;43;p7"/>
+          <p:cNvSpPr txBox="1">
+            <a:spLocks noGrp="1"/>
+          </p:cNvSpPr>
+          <p:nvPr>
+            <p:ph type="sldNum" idx="12"/>
+          </p:nvPr>
+        </p:nvSpPr>
+        <p:spPr>
+          <a:xfrm>
+            <a:off x="8497999" y="4688759"/>
+            <a:ext cx="548700" cy="393600"/>
+          </a:xfrm>
+          <a:prstGeom prst="rect">
+            <a:avLst/>
+          </a:prstGeom>
+        </p:spPr>
+        <p:txBody>
+          <a:bodyPr spcFirstLastPara="1" wrap="square" lIns="91425" tIns="91425" rIns="91425" bIns="91425" anchor="ctr" anchorCtr="0">
+            <a:noAutofit/>
+          </a:bodyPr>
+          <a:lstStyle>
+            <a:lvl1pPr lvl="0">
+              <a:buNone/>
+              <a:defRPr/>
+            </a:lvl1pPr>
+            <a:lvl2pPr lvl="1">
+              <a:buNone/>
+              <a:defRPr/>
+            </a:lvl2pPr>
+            <a:lvl3pPr lvl="2">
+              <a:buNone/>
+              <a:defRPr/>
+            </a:lvl3pPr>
+            <a:lvl4pPr lvl="3">
+              <a:buNone/>
+              <a:defRPr/>
+            </a:lvl4pPr>
+            <a:lvl5pPr lvl="4">
+              <a:buNone/>
+              <a:defRPr/>
+            </a:lvl5pPr>
+            <a:lvl6pPr lvl="5">
+              <a:buNone/>
+              <a:defRPr/>
+            </a:lvl6pPr>
+            <a:lvl7pPr lvl="6">
+              <a:buNone/>
+              <a:defRPr/>
+            </a:lvl7pPr>
+            <a:lvl8pPr lvl="7">
+              <a:buNone/>
+              <a:defRPr/>
+            </a:lvl8pPr>
+            <a:lvl9pPr lvl="8">
+              <a:buNone/>
+              <a:defRPr/>
+            </a:lvl9pPr>
+          </a:lstStyle>
+          <a:p>
+            <a:pPr marL="0" lvl="0" indent="0" algn="r" rtl="0">
+              <a:spcBef>
+                <a:spcPts val="0"/>
+              </a:spcBef>
+              <a:spcAft>
+                <a:spcPts val="0"/>
+              </a:spcAft>
+              <a:buNone/>
+            </a:pPr>
+            <a:fld id="{00000000-1234-1234-1234-123412341234}" type="slidenum">
+              <a:rPr lang="en"/>
+              <a:t>‹#›</a:t>
+            </a:fld>
+            <a:endParaRPr/>
+          </a:p>
+        </p:txBody>
+      </p:sp>
+    </p:spTree>
+    <p:extLst>
+      <p:ext uri="{BB962C8B-B14F-4D97-AF65-F5344CB8AC3E}">
+        <p14:creationId xmlns:p14="http://schemas.microsoft.com/office/powerpoint/2010/main" val="1574939349"/>
+      </p:ext>
+    </p:extLst>
+  </p:cSld>
+  <p:clrMapOvr>
+    <a:masterClrMapping/>
+  </p:clrMapOvr>
+</p:sldLayout>
+</file>
+
 <file path=ppt/slideMasters/slideMaster1.xml><?xml version="1.0" encoding="utf-8"?>
 <p:sldMaster xmlns:a="http://schemas.openxmlformats.org/drawingml/2006/main" xmlns:r="http://schemas.openxmlformats.org/officeDocument/2006/relationships" xmlns:p="http://schemas.openxmlformats.org/presentationml/2006/main">
   <p:cSld name="swiss-2">
@@ -2826,6 +3224,7 @@
   <p:sldLayoutIdLst>
     <p:sldLayoutId id="2147483648" r:id="rId1"/>
     <p:sldLayoutId id="2147483660" r:id="rId2"/>
+    <p:sldLayoutId id="2147483661" r:id="rId3"/>
   </p:sldLayoutIdLst>
   <p:hf sldNum="0" hdr="0" ftr="0" dt="0"/>
   <p:txStyles>
@@ -3808,6 +4207,200 @@
 </file>
 
 <file path=ppt/slides/slide3.xml><?xml version="1.0" encoding="utf-8"?>
+<p:sld xmlns:a="http://schemas.openxmlformats.org/drawingml/2006/main" xmlns:r="http://schemas.openxmlformats.org/officeDocument/2006/relationships" xmlns:p="http://schemas.openxmlformats.org/presentationml/2006/main">
+  <p:cSld>
+    <p:spTree>
+      <p:nvGrpSpPr>
+        <p:cNvPr id="1" name=""/>
+        <p:cNvGrpSpPr/>
+        <p:nvPr/>
+      </p:nvGrpSpPr>
+      <p:grpSpPr>
+        <a:xfrm>
+          <a:off x="0" y="0"/>
+          <a:ext cx="0" cy="0"/>
+          <a:chOff x="0" y="0"/>
+          <a:chExt cx="0" cy="0"/>
+        </a:xfrm>
+      </p:grpSpPr>
+      <p:sp>
+        <p:nvSpPr>
+          <p:cNvPr id="6" name="Title 5">
+            <a:extLst>
+              <a:ext uri="{FF2B5EF4-FFF2-40B4-BE49-F238E27FC236}">
+                <a16:creationId xmlns:a16="http://schemas.microsoft.com/office/drawing/2014/main" id="{31FD400C-0171-4602-88E6-76887D425814}"/>
+              </a:ext>
+            </a:extLst>
+          </p:cNvPr>
+          <p:cNvSpPr>
+            <a:spLocks noGrp="1"/>
+          </p:cNvSpPr>
+          <p:nvPr>
+            <p:ph type="title"/>
+          </p:nvPr>
+        </p:nvSpPr>
+        <p:spPr/>
+        <p:txBody>
+          <a:bodyPr/>
+          <a:lstStyle/>
+          <a:p>
+            <a:endParaRPr lang="en-US"/>
+          </a:p>
+        </p:txBody>
+      </p:sp>
+      <p:sp>
+        <p:nvSpPr>
+          <p:cNvPr id="7" name="Text Placeholder 6">
+            <a:extLst>
+              <a:ext uri="{FF2B5EF4-FFF2-40B4-BE49-F238E27FC236}">
+                <a16:creationId xmlns:a16="http://schemas.microsoft.com/office/drawing/2014/main" id="{55C8A2EE-052A-4195-AA64-2FCA69D764AC}"/>
+              </a:ext>
+            </a:extLst>
+          </p:cNvPr>
+          <p:cNvSpPr>
+            <a:spLocks noGrp="1"/>
+          </p:cNvSpPr>
+          <p:nvPr>
+            <p:ph type="body" idx="1"/>
+          </p:nvPr>
+        </p:nvSpPr>
+        <p:spPr/>
+        <p:txBody>
+          <a:bodyPr/>
+          <a:lstStyle/>
+          <a:p>
+            <a:endParaRPr lang="en-US"/>
+          </a:p>
+        </p:txBody>
+      </p:sp>
+      <p:sp>
+        <p:nvSpPr>
+          <p:cNvPr id="8" name="Text Placeholder 7">
+            <a:extLst>
+              <a:ext uri="{FF2B5EF4-FFF2-40B4-BE49-F238E27FC236}">
+                <a16:creationId xmlns:a16="http://schemas.microsoft.com/office/drawing/2014/main" id="{D03F5890-110E-4B43-980F-9BD178EBEB4E}"/>
+              </a:ext>
+            </a:extLst>
+          </p:cNvPr>
+          <p:cNvSpPr>
+            <a:spLocks noGrp="1"/>
+          </p:cNvSpPr>
+          <p:nvPr>
+            <p:ph type="body" idx="2"/>
+          </p:nvPr>
+        </p:nvSpPr>
+        <p:spPr/>
+        <p:txBody>
+          <a:bodyPr/>
+          <a:lstStyle/>
+          <a:p>
+            <a:endParaRPr lang="en-US"/>
+          </a:p>
+        </p:txBody>
+      </p:sp>
+      <p:pic>
+        <p:nvPicPr>
+          <p:cNvPr id="1026" name="Picture 2" descr="https://azurecomcdn.azureedge.net/cvt-a528066bccd3b1d7235c2aad715a65ad8af5efbb63e364089737f8658a0316f7/images/page/services/data-factory/architectures/modernize.png">
+            <a:extLst>
+              <a:ext uri="{FF2B5EF4-FFF2-40B4-BE49-F238E27FC236}">
+                <a16:creationId xmlns:a16="http://schemas.microsoft.com/office/drawing/2014/main" id="{2FE9C6B1-A0FF-4681-88B4-5474BC20597E}"/>
+              </a:ext>
+            </a:extLst>
+          </p:cNvPr>
+          <p:cNvPicPr>
+            <a:picLocks noChangeAspect="1" noChangeArrowheads="1"/>
+          </p:cNvPicPr>
+          <p:nvPr/>
+        </p:nvPicPr>
+        <p:blipFill>
+          <a:blip r:embed="rId2">
+            <a:extLst>
+              <a:ext uri="{28A0092B-C50C-407E-A947-70E740481C1C}">
+                <a14:useLocalDpi xmlns:a14="http://schemas.microsoft.com/office/drawing/2010/main" val="0"/>
+              </a:ext>
+            </a:extLst>
+          </a:blip>
+          <a:srcRect/>
+          <a:stretch>
+            <a:fillRect/>
+          </a:stretch>
+        </p:blipFill>
+        <p:spPr bwMode="auto">
+          <a:xfrm>
+            <a:off x="0" y="0"/>
+            <a:ext cx="9144000" cy="5143500"/>
+          </a:xfrm>
+          <a:prstGeom prst="rect">
+            <a:avLst/>
+          </a:prstGeom>
+          <a:noFill/>
+          <a:extLst>
+            <a:ext uri="{909E8E84-426E-40DD-AFC4-6F175D3DCCD1}">
+              <a14:hiddenFill xmlns:a14="http://schemas.microsoft.com/office/drawing/2010/main">
+                <a:solidFill>
+                  <a:srgbClr val="FFFFFF"/>
+                </a:solidFill>
+              </a14:hiddenFill>
+            </a:ext>
+          </a:extLst>
+        </p:spPr>
+      </p:pic>
+      <p:sp>
+        <p:nvSpPr>
+          <p:cNvPr id="9" name="TextBox 8">
+            <a:extLst>
+              <a:ext uri="{FF2B5EF4-FFF2-40B4-BE49-F238E27FC236}">
+                <a16:creationId xmlns:a16="http://schemas.microsoft.com/office/drawing/2014/main" id="{CB1818F3-10A8-49E4-A8D1-875F5D8D65B5}"/>
+              </a:ext>
+            </a:extLst>
+          </p:cNvPr>
+          <p:cNvSpPr txBox="1"/>
+          <p:nvPr/>
+        </p:nvSpPr>
+        <p:spPr>
+          <a:xfrm rot="20009079">
+            <a:off x="921378" y="2130819"/>
+            <a:ext cx="7059946" cy="400110"/>
+          </a:xfrm>
+          <a:prstGeom prst="rect">
+            <a:avLst/>
+          </a:prstGeom>
+          <a:noFill/>
+        </p:spPr>
+        <p:txBody>
+          <a:bodyPr wrap="none" rtlCol="0">
+            <a:spAutoFit/>
+          </a:bodyPr>
+          <a:lstStyle/>
+          <a:p>
+            <a:r>
+              <a:rPr lang="en-US" sz="2000" dirty="0">
+                <a:solidFill>
+                  <a:schemeClr val="accent4"/>
+                </a:solidFill>
+                <a:highlight>
+                  <a:srgbClr val="FFFF00"/>
+                </a:highlight>
+              </a:rPr>
+              <a:t>This is a reference architecture, not the ONLY architecture…</a:t>
+            </a:r>
+          </a:p>
+        </p:txBody>
+      </p:sp>
+    </p:spTree>
+    <p:extLst>
+      <p:ext uri="{BB962C8B-B14F-4D97-AF65-F5344CB8AC3E}">
+        <p14:creationId xmlns:p14="http://schemas.microsoft.com/office/powerpoint/2010/main" val="3880116155"/>
+      </p:ext>
+    </p:extLst>
+  </p:cSld>
+  <p:clrMapOvr>
+    <a:masterClrMapping/>
+  </p:clrMapOvr>
+</p:sld>
+</file>
+
+<file path=ppt/slides/slide4.xml><?xml version="1.0" encoding="utf-8"?>
 <p:sld xmlns:a="http://schemas.openxmlformats.org/drawingml/2006/main" xmlns:r="http://schemas.openxmlformats.org/officeDocument/2006/relationships" xmlns:p="http://schemas.openxmlformats.org/presentationml/2006/main">
   <p:cSld>
     <p:spTree>
